--- a/ReadMe.pptx
+++ b/ReadMe.pptx
@@ -4284,7 +4284,9 @@
         </p:nvSpPr>
         <p:spPr/>
         <p:txBody>
-          <a:bodyPr/>
+          <a:bodyPr>
+            <a:normAutofit/>
+          </a:bodyPr>
           <a:lstStyle/>
           <a:p>
             <a:r>
@@ -4321,7 +4323,7 @@
           <a:p>
             <a:r>
               <a:rPr lang="en-IN" dirty="0"/>
-              <a:t>(The Logic for adding Semicolons are not perfect at the moment.)</a:t>
+              <a:t>(The Logic for adding Semicolons is not perfect at the moment.)</a:t>
             </a:r>
           </a:p>
         </p:txBody>
@@ -4646,10 +4648,10 @@
       </p:sp>
       <p:pic>
         <p:nvPicPr>
-          <p:cNvPr id="6" name="Picture 5">
+          <p:cNvPr id="8" name="Picture 7">
             <a:extLst>
               <a:ext uri="{FF2B5EF4-FFF2-40B4-BE49-F238E27FC236}">
-                <a16:creationId xmlns:a16="http://schemas.microsoft.com/office/drawing/2014/main" id="{CBB1B101-AC80-F1F8-5D87-BE02AF2384F4}"/>
+                <a16:creationId xmlns:a16="http://schemas.microsoft.com/office/drawing/2014/main" id="{BBB65E5F-0BF3-F872-A230-D770FD13C334}"/>
               </a:ext>
             </a:extLst>
           </p:cNvPr>
@@ -4672,8 +4674,8 @@
         </p:blipFill>
         <p:spPr>
           <a:xfrm>
-            <a:off x="1097280" y="1960775"/>
-            <a:ext cx="6220693" cy="3829584"/>
+            <a:off x="1097280" y="1982378"/>
+            <a:ext cx="5801535" cy="3743847"/>
           </a:xfrm>
           <a:prstGeom prst="rect">
             <a:avLst/>
@@ -5701,7 +5703,15 @@
             </a:pPr>
             <a:r>
               <a:rPr lang="en-IN" dirty="0"/>
-              <a:t>print  f” Hello { var }”</a:t>
+              <a:t>print </a:t>
+            </a:r>
+            <a:r>
+              <a:rPr lang="en-IN" dirty="0" err="1"/>
+              <a:t>f”Hello</a:t>
+            </a:r>
+            <a:r>
+              <a:rPr lang="en-IN" dirty="0"/>
+              <a:t> { var }”</a:t>
             </a:r>
           </a:p>
           <a:p>
@@ -5723,7 +5733,7 @@
             </a:pPr>
             <a:r>
               <a:rPr lang="en-IN" dirty="0"/>
-              <a:t>std::string name = “Hello” + var + “\n”;</a:t>
+              <a:t>std::string name = “Hello ” + var + “\n”;</a:t>
             </a:r>
           </a:p>
           <a:p>
@@ -5822,7 +5832,9 @@
         </p:nvSpPr>
         <p:spPr/>
         <p:txBody>
-          <a:bodyPr/>
+          <a:bodyPr>
+            <a:normAutofit/>
+          </a:bodyPr>
           <a:lstStyle/>
           <a:p>
             <a:r>
@@ -5832,7 +5844,7 @@
           </a:p>
           <a:p>
             <a:r>
-              <a:rPr lang="en-US" sz="1800" dirty="0" err="1">
+              <a:rPr lang="en-US" dirty="0" err="1">
                 <a:effectLst/>
                 <a:latin typeface="Calibri" panose="020F0502020204030204" pitchFamily="34" charset="0"/>
                 <a:ea typeface="Calibri" panose="020F0502020204030204" pitchFamily="34" charset="0"/>
@@ -5841,7 +5853,7 @@
               <a:t>isIn</a:t>
             </a:r>
             <a:r>
-              <a:rPr lang="en-US" sz="1800" dirty="0">
+              <a:rPr lang="en-US" dirty="0">
                 <a:latin typeface="Calibri" panose="020F0502020204030204" pitchFamily="34" charset="0"/>
                 <a:ea typeface="Calibri" panose="020F0502020204030204" pitchFamily="34" charset="0"/>
                 <a:cs typeface="Times New Roman" panose="02020603050405020304" pitchFamily="18" charset="0"/>
@@ -5849,7 +5861,7 @@
               <a:t>  </a:t>
             </a:r>
             <a:r>
-              <a:rPr lang="en-US" sz="1800" dirty="0">
+              <a:rPr lang="en-US" dirty="0">
                 <a:effectLst/>
                 <a:latin typeface="Calibri" panose="020F0502020204030204" pitchFamily="34" charset="0"/>
                 <a:ea typeface="Calibri" panose="020F0502020204030204" pitchFamily="34" charset="0"/>
@@ -5860,7 +5872,7 @@
           </a:p>
           <a:p>
             <a:r>
-              <a:rPr lang="en-US" sz="1800" dirty="0">
+              <a:rPr lang="en-US" dirty="0">
                 <a:latin typeface="Calibri" panose="020F0502020204030204" pitchFamily="34" charset="0"/>
                 <a:ea typeface="Calibri" panose="020F0502020204030204" pitchFamily="34" charset="0"/>
                 <a:cs typeface="Times New Roman" panose="02020603050405020304" pitchFamily="18" charset="0"/>
@@ -5870,7 +5882,7 @@
           </a:p>
           <a:p>
             <a:r>
-              <a:rPr lang="en-US" sz="1800" dirty="0">
+              <a:rPr lang="en-US" dirty="0">
                 <a:effectLst/>
                 <a:latin typeface="Calibri" panose="020F0502020204030204" pitchFamily="34" charset="0"/>
                 <a:ea typeface="Calibri" panose="020F0502020204030204" pitchFamily="34" charset="0"/>
@@ -5879,7 +5891,7 @@
               <a:t>a  </a:t>
             </a:r>
             <a:r>
-              <a:rPr lang="en-US" sz="1800" dirty="0">
+              <a:rPr lang="en-US" dirty="0">
                 <a:latin typeface="Calibri" panose="020F0502020204030204" pitchFamily="34" charset="0"/>
                 <a:ea typeface="Calibri" panose="020F0502020204030204" pitchFamily="34" charset="0"/>
                 <a:cs typeface="Times New Roman" panose="02020603050405020304" pitchFamily="18" charset="0"/>
@@ -5887,7 +5899,7 @@
               <a:t>`</a:t>
             </a:r>
             <a:r>
-              <a:rPr lang="en-US" sz="1800" dirty="0" err="1">
+              <a:rPr lang="en-US" dirty="0" err="1">
                 <a:effectLst/>
                 <a:latin typeface="Calibri" panose="020F0502020204030204" pitchFamily="34" charset="0"/>
                 <a:ea typeface="Calibri" panose="020F0502020204030204" pitchFamily="34" charset="0"/>
@@ -5896,7 +5908,7 @@
               <a:t>isIn</a:t>
             </a:r>
             <a:r>
-              <a:rPr lang="en-US" sz="1800" dirty="0">
+              <a:rPr lang="en-US" dirty="0">
                 <a:effectLst/>
                 <a:latin typeface="Calibri" panose="020F0502020204030204" pitchFamily="34" charset="0"/>
                 <a:ea typeface="Calibri" panose="020F0502020204030204" pitchFamily="34" charset="0"/>
@@ -5904,7 +5916,7 @@
               </a:rPr>
               <a:t>`  b</a:t>
             </a:r>
-            <a:endParaRPr lang="en-IN" sz="1800" dirty="0">
+            <a:endParaRPr lang="en-IN" dirty="0">
               <a:effectLst/>
               <a:latin typeface="Calibri" panose="020F0502020204030204" pitchFamily="34" charset="0"/>
               <a:ea typeface="Calibri" panose="020F0502020204030204" pitchFamily="34" charset="0"/>

--- a/ReadMe.pptx
+++ b/ReadMe.pptx
@@ -4648,10 +4648,10 @@
       </p:sp>
       <p:pic>
         <p:nvPicPr>
-          <p:cNvPr id="8" name="Picture 7">
+          <p:cNvPr id="6" name="Picture 5">
             <a:extLst>
               <a:ext uri="{FF2B5EF4-FFF2-40B4-BE49-F238E27FC236}">
-                <a16:creationId xmlns:a16="http://schemas.microsoft.com/office/drawing/2014/main" id="{BBB65E5F-0BF3-F872-A230-D770FD13C334}"/>
+                <a16:creationId xmlns:a16="http://schemas.microsoft.com/office/drawing/2014/main" id="{1B246506-600A-3731-A62A-273BB7EF9E24}"/>
               </a:ext>
             </a:extLst>
           </p:cNvPr>
@@ -4674,8 +4674,8 @@
         </p:blipFill>
         <p:spPr>
           <a:xfrm>
-            <a:off x="1097280" y="1982378"/>
-            <a:ext cx="5801535" cy="3743847"/>
+            <a:off x="1097280" y="2021590"/>
+            <a:ext cx="4220164" cy="3686689"/>
           </a:xfrm>
           <a:prstGeom prst="rect">
             <a:avLst/>

--- a/ReadMe.pptx
+++ b/ReadMe.pptx
@@ -4648,10 +4648,10 @@
       </p:sp>
       <p:pic>
         <p:nvPicPr>
-          <p:cNvPr id="6" name="Picture 5">
+          <p:cNvPr id="9" name="Picture 8">
             <a:extLst>
               <a:ext uri="{FF2B5EF4-FFF2-40B4-BE49-F238E27FC236}">
-                <a16:creationId xmlns:a16="http://schemas.microsoft.com/office/drawing/2014/main" id="{1B246506-600A-3731-A62A-273BB7EF9E24}"/>
+                <a16:creationId xmlns:a16="http://schemas.microsoft.com/office/drawing/2014/main" id="{0653A311-2E02-7DFE-3D8E-440899636021}"/>
               </a:ext>
             </a:extLst>
           </p:cNvPr>
@@ -4674,8 +4674,8 @@
         </p:blipFill>
         <p:spPr>
           <a:xfrm>
-            <a:off x="1097280" y="2021590"/>
-            <a:ext cx="4220164" cy="3686689"/>
+            <a:off x="1097280" y="1844923"/>
+            <a:ext cx="4115374" cy="3848637"/>
           </a:xfrm>
           <a:prstGeom prst="rect">
             <a:avLst/>
